--- a/CODEX Gymstructor.pptx
+++ b/CODEX Gymstructor.pptx
@@ -12,7 +12,8 @@
     <p:sldId id="264" r:id="rId6"/>
     <p:sldId id="263" r:id="rId7"/>
     <p:sldId id="262" r:id="rId8"/>
-    <p:sldId id="261" r:id="rId9"/>
+    <p:sldId id="265" r:id="rId9"/>
+    <p:sldId id="261" r:id="rId10"/>
   </p:sldIdLst>
   <p:sldSz cx="9144000" cy="6858000" type="screen4x3"/>
   <p:notesSz cx="6858000" cy="9144000"/>
@@ -9188,7 +9189,7 @@
         </p:spPr>
         <p:txBody>
           <a:bodyPr>
-            <a:normAutofit fontScale="90000"/>
+            <a:normAutofit/>
           </a:bodyPr>
           <a:lstStyle/>
           <a:p>
@@ -9220,35 +9221,12 @@
               <a:rPr lang="en-US" dirty="0" smtClean="0"/>
             </a:br>
             <a:r>
-              <a:rPr lang="en-US" dirty="0" err="1" smtClean="0"/>
-              <a:t>Sourav</a:t>
-            </a:r>
-            <a:r>
               <a:rPr lang="en-US" dirty="0" smtClean="0"/>
-              <a:t> </a:t>
+              <a:t>Sourav </a:t>
             </a:r>
             <a:r>
               <a:rPr lang="en-US" dirty="0" err="1" smtClean="0"/>
               <a:t>Bera</a:t>
-            </a:r>
-            <a:r>
-              <a:rPr lang="en-US" dirty="0" smtClean="0"/>
-              <a:t/>
-            </a:r>
-            <a:br>
-              <a:rPr lang="en-US" dirty="0" smtClean="0"/>
-            </a:br>
-            <a:r>
-              <a:rPr lang="en-US" dirty="0" err="1" smtClean="0"/>
-              <a:t>Siddhant</a:t>
-            </a:r>
-            <a:r>
-              <a:rPr lang="en-US" dirty="0" smtClean="0"/>
-              <a:t> </a:t>
-            </a:r>
-            <a:r>
-              <a:rPr lang="en-US" dirty="0" err="1" smtClean="0"/>
-              <a:t>jaiswal</a:t>
             </a:r>
             <a:r>
               <a:rPr lang="en-US" dirty="0" smtClean="0"/>
@@ -9342,7 +9320,11 @@
           <a:p>
             <a:r>
               <a:rPr lang="en-US" dirty="0" smtClean="0"/>
-              <a:t>Purpose of Gypstructor</a:t>
+              <a:t>Purpose of </a:t>
+            </a:r>
+            <a:r>
+              <a:rPr lang="en-US" dirty="0" err="1" smtClean="0"/>
+              <a:t>Gymstructor</a:t>
             </a:r>
             <a:endParaRPr lang="en-IN" dirty="0"/>
           </a:p>
@@ -9380,7 +9362,7 @@
             <a:pPr algn="just"/>
             <a:r>
               <a:rPr lang="en-US" dirty="0" smtClean="0"/>
-              <a:t>It also helps user by telling users about proper health diet, calculates user’s BMI and tells health status of the user.</a:t>
+              <a:t>It also helps user by informing users about proper health diet, calculates user’s BMI and tells health status of the user.</a:t>
             </a:r>
           </a:p>
         </p:txBody>
@@ -9432,7 +9414,7 @@
           <a:p>
             <a:r>
               <a:rPr lang="en-US" dirty="0" smtClean="0"/>
-              <a:t>Screen shots</a:t>
+              <a:t>Screenshots</a:t>
             </a:r>
             <a:endParaRPr lang="en-IN" dirty="0"/>
           </a:p>
@@ -9679,7 +9661,7 @@
           <a:p>
             <a:r>
               <a:rPr lang="en-US" dirty="0" smtClean="0"/>
-              <a:t>Screen shots</a:t>
+              <a:t>Screenshots</a:t>
             </a:r>
             <a:endParaRPr lang="en-IN" dirty="0"/>
           </a:p>
@@ -9929,7 +9911,11 @@
           <a:p>
             <a:r>
               <a:rPr lang="en-US" dirty="0" smtClean="0"/>
-              <a:t>Purpose of Gypstructor</a:t>
+              <a:t>Purpose of </a:t>
+            </a:r>
+            <a:r>
+              <a:rPr lang="en-US" dirty="0" err="1" smtClean="0"/>
+              <a:t>Gymstructor</a:t>
             </a:r>
             <a:endParaRPr lang="en-IN" dirty="0"/>
           </a:p>
@@ -9947,7 +9933,7 @@
         </p:nvSpPr>
         <p:spPr>
           <a:xfrm>
-            <a:off x="395536" y="2132856"/>
+            <a:off x="611560" y="1916832"/>
             <a:ext cx="7776864" cy="3744416"/>
           </a:xfrm>
         </p:spPr>
@@ -9967,15 +9953,7 @@
             <a:pPr algn="just"/>
             <a:r>
               <a:rPr lang="en-US" sz="2400" dirty="0" smtClean="0"/>
-              <a:t>So we have came up with Gymstructor an android app from which users can do </a:t>
-            </a:r>
-            <a:r>
-              <a:rPr lang="en-US" sz="2400" dirty="0" smtClean="0"/>
-              <a:t>exercises, </a:t>
-            </a:r>
-            <a:r>
-              <a:rPr lang="en-US" sz="2400" dirty="0" smtClean="0"/>
-              <a:t>yoga in comfort of their home.</a:t>
+              <a:t>So we have came up with Gymstructor an android app from which users can do exercises, yoga in comfort of their home.</a:t>
             </a:r>
           </a:p>
           <a:p>
@@ -10088,6 +10066,246 @@
 </file>
 
 <file path=ppt/slides/slide7.xml><?xml version="1.0" encoding="utf-8"?>
+<p:sld xmlns:a="http://schemas.openxmlformats.org/drawingml/2006/main" xmlns:r="http://schemas.openxmlformats.org/officeDocument/2006/relationships" xmlns:p="http://schemas.openxmlformats.org/presentationml/2006/main">
+  <p:cSld>
+    <p:spTree>
+      <p:nvGrpSpPr>
+        <p:cNvPr id="1" name=""/>
+        <p:cNvGrpSpPr/>
+        <p:nvPr/>
+      </p:nvGrpSpPr>
+      <p:grpSpPr>
+        <a:xfrm>
+          <a:off x="0" y="0"/>
+          <a:ext cx="0" cy="0"/>
+          <a:chOff x="0" y="0"/>
+          <a:chExt cx="0" cy="0"/>
+        </a:xfrm>
+      </p:grpSpPr>
+      <p:sp>
+        <p:nvSpPr>
+          <p:cNvPr id="3" name="Content Placeholder 2"/>
+          <p:cNvSpPr>
+            <a:spLocks noGrp="1"/>
+          </p:cNvSpPr>
+          <p:nvPr>
+            <p:ph idx="1"/>
+          </p:nvPr>
+        </p:nvSpPr>
+        <p:spPr>
+          <a:xfrm>
+            <a:off x="899592" y="836712"/>
+            <a:ext cx="7200800" cy="5184576"/>
+          </a:xfrm>
+          <a:ln>
+            <a:solidFill>
+              <a:schemeClr val="accent1"/>
+            </a:solidFill>
+          </a:ln>
+        </p:spPr>
+        <p:txBody>
+          <a:bodyPr>
+            <a:normAutofit/>
+          </a:bodyPr>
+          <a:lstStyle/>
+          <a:p>
+            <a:pPr marL="0" indent="0" algn="just">
+              <a:buNone/>
+            </a:pPr>
+            <a:r>
+              <a:rPr lang="en-US" b="1" i="1" dirty="0" smtClean="0">
+                <a:latin typeface="Arial Black" pitchFamily="34" charset="0"/>
+              </a:rPr>
+              <a:t>Member’s Individual  Contribution </a:t>
+            </a:r>
+          </a:p>
+          <a:p>
+            <a:pPr marL="0" indent="0" algn="just">
+              <a:buNone/>
+            </a:pPr>
+            <a:endParaRPr lang="en-US" sz="2000" dirty="0" smtClean="0">
+              <a:latin typeface="Arial" pitchFamily="34" charset="0"/>
+              <a:cs typeface="Arial" pitchFamily="34" charset="0"/>
+            </a:endParaRPr>
+          </a:p>
+          <a:p>
+            <a:pPr marL="0" indent="0" algn="just">
+              <a:buNone/>
+            </a:pPr>
+            <a:r>
+              <a:rPr lang="en-US" sz="2200" dirty="0" smtClean="0">
+                <a:latin typeface="Arial" pitchFamily="34" charset="0"/>
+                <a:cs typeface="Arial" pitchFamily="34" charset="0"/>
+              </a:rPr>
+              <a:t>Sourav </a:t>
+            </a:r>
+            <a:r>
+              <a:rPr lang="en-US" sz="2200" dirty="0">
+                <a:latin typeface="Arial" pitchFamily="34" charset="0"/>
+                <a:cs typeface="Arial" pitchFamily="34" charset="0"/>
+              </a:rPr>
+              <a:t>has made </a:t>
+            </a:r>
+            <a:r>
+              <a:rPr lang="en-US" sz="2200" dirty="0" smtClean="0">
+                <a:latin typeface="Arial" pitchFamily="34" charset="0"/>
+                <a:cs typeface="Arial" pitchFamily="34" charset="0"/>
+              </a:rPr>
+              <a:t> </a:t>
+            </a:r>
+            <a:r>
+              <a:rPr lang="en-US" sz="2200" dirty="0">
+                <a:latin typeface="Arial" pitchFamily="34" charset="0"/>
+                <a:cs typeface="Arial" pitchFamily="34" charset="0"/>
+              </a:rPr>
+              <a:t>user friendly UI of the </a:t>
+            </a:r>
+            <a:r>
+              <a:rPr lang="en-US" sz="2200" dirty="0" smtClean="0">
+                <a:latin typeface="Arial" pitchFamily="34" charset="0"/>
+                <a:cs typeface="Arial" pitchFamily="34" charset="0"/>
+              </a:rPr>
+              <a:t>app. He </a:t>
+            </a:r>
+            <a:r>
+              <a:rPr lang="en-US" sz="2200" dirty="0">
+                <a:latin typeface="Arial" pitchFamily="34" charset="0"/>
+                <a:cs typeface="Arial" pitchFamily="34" charset="0"/>
+              </a:rPr>
+              <a:t>has added BMI calculator for users in our </a:t>
+            </a:r>
+            <a:r>
+              <a:rPr lang="en-US" sz="2200" dirty="0" smtClean="0">
+                <a:latin typeface="Arial" pitchFamily="34" charset="0"/>
+                <a:cs typeface="Arial" pitchFamily="34" charset="0"/>
+              </a:rPr>
+              <a:t>app. He </a:t>
+            </a:r>
+            <a:r>
+              <a:rPr lang="en-US" sz="2200" dirty="0">
+                <a:latin typeface="Arial" pitchFamily="34" charset="0"/>
+                <a:cs typeface="Arial" pitchFamily="34" charset="0"/>
+              </a:rPr>
+              <a:t>also helped while fixing the bugs of our </a:t>
+            </a:r>
+            <a:r>
+              <a:rPr lang="en-US" sz="2200" dirty="0" smtClean="0">
+                <a:latin typeface="Arial" pitchFamily="34" charset="0"/>
+                <a:cs typeface="Arial" pitchFamily="34" charset="0"/>
+              </a:rPr>
+              <a:t>app.</a:t>
+            </a:r>
+          </a:p>
+          <a:p>
+            <a:pPr marL="0" indent="0" algn="just">
+              <a:buNone/>
+            </a:pPr>
+            <a:endParaRPr lang="en-US" sz="2000" dirty="0" smtClean="0">
+              <a:latin typeface="Arial" pitchFamily="34" charset="0"/>
+              <a:cs typeface="Arial" pitchFamily="34" charset="0"/>
+            </a:endParaRPr>
+          </a:p>
+          <a:p>
+            <a:pPr marL="0" indent="0" algn="just">
+              <a:buNone/>
+            </a:pPr>
+            <a:r>
+              <a:rPr lang="en-US" sz="2000" dirty="0" err="1" smtClean="0">
+                <a:latin typeface="Arial" pitchFamily="34" charset="0"/>
+                <a:cs typeface="Arial" pitchFamily="34" charset="0"/>
+              </a:rPr>
+              <a:t>Vinayak</a:t>
+            </a:r>
+            <a:r>
+              <a:rPr lang="en-US" sz="2000" dirty="0" smtClean="0">
+                <a:latin typeface="Arial" pitchFamily="34" charset="0"/>
+                <a:cs typeface="Arial" pitchFamily="34" charset="0"/>
+              </a:rPr>
+              <a:t> has added the video playlist section for yoga , </a:t>
+            </a:r>
+            <a:r>
+              <a:rPr lang="en-US" sz="2000" dirty="0" err="1" smtClean="0">
+                <a:latin typeface="Arial" pitchFamily="34" charset="0"/>
+                <a:cs typeface="Arial" pitchFamily="34" charset="0"/>
+              </a:rPr>
+              <a:t>warmup</a:t>
+            </a:r>
+            <a:r>
+              <a:rPr lang="en-US" sz="2000" dirty="0" smtClean="0">
+                <a:latin typeface="Arial" pitchFamily="34" charset="0"/>
+                <a:cs typeface="Arial" pitchFamily="34" charset="0"/>
+              </a:rPr>
+              <a:t> exercises section. He has added Firebase support for our app. He has added the healthy diet section for the users.</a:t>
+            </a:r>
+          </a:p>
+          <a:p>
+            <a:pPr marL="0" indent="0" algn="just">
+              <a:buNone/>
+            </a:pPr>
+            <a:r>
+              <a:rPr lang="en-US" sz="2000" dirty="0" smtClean="0">
+                <a:latin typeface="Arial" pitchFamily="34" charset="0"/>
+                <a:cs typeface="Arial" pitchFamily="34" charset="0"/>
+              </a:rPr>
+              <a:t> </a:t>
+            </a:r>
+          </a:p>
+          <a:p>
+            <a:pPr marL="0" indent="0" algn="just">
+              <a:buNone/>
+            </a:pPr>
+            <a:r>
+              <a:rPr lang="en-US" sz="2000" dirty="0" smtClean="0">
+                <a:latin typeface="Arial" pitchFamily="34" charset="0"/>
+                <a:cs typeface="Arial" pitchFamily="34" charset="0"/>
+              </a:rPr>
+              <a:t>Project </a:t>
+            </a:r>
+            <a:r>
+              <a:rPr lang="en-US" sz="2000" dirty="0">
+                <a:latin typeface="Arial" pitchFamily="34" charset="0"/>
+                <a:cs typeface="Arial" pitchFamily="34" charset="0"/>
+              </a:rPr>
+              <a:t>Link :(https://</a:t>
+            </a:r>
+            <a:r>
+              <a:rPr lang="en-US" sz="2000" dirty="0" smtClean="0">
+                <a:latin typeface="Arial" pitchFamily="34" charset="0"/>
+                <a:cs typeface="Arial" pitchFamily="34" charset="0"/>
+              </a:rPr>
+              <a:t>github.com/ASVKVINAYAK/Gymstructor)</a:t>
+            </a:r>
+          </a:p>
+          <a:p>
+            <a:pPr marL="0" indent="0" algn="just">
+              <a:buNone/>
+            </a:pPr>
+            <a:r>
+              <a:rPr lang="en-US" b="1" i="1" dirty="0" smtClean="0">
+                <a:latin typeface="Arial Black" pitchFamily="34" charset="0"/>
+              </a:rPr>
+              <a:t> </a:t>
+            </a:r>
+            <a:endParaRPr lang="en-IN" b="1" i="1" dirty="0">
+              <a:latin typeface="Arial Black" pitchFamily="34" charset="0"/>
+            </a:endParaRPr>
+          </a:p>
+        </p:txBody>
+      </p:sp>
+    </p:spTree>
+    <p:extLst>
+      <p:ext uri="{BB962C8B-B14F-4D97-AF65-F5344CB8AC3E}">
+        <p14:creationId xmlns:p14="http://schemas.microsoft.com/office/powerpoint/2010/main" val="1490839917"/>
+      </p:ext>
+    </p:extLst>
+  </p:cSld>
+  <p:clrMapOvr>
+    <a:masterClrMapping/>
+  </p:clrMapOvr>
+</p:sld>
+</file>
+
+<file path=ppt/slides/slide8.xml><?xml version="1.0" encoding="utf-8"?>
 <p:sld xmlns:a="http://schemas.openxmlformats.org/drawingml/2006/main" xmlns:r="http://schemas.openxmlformats.org/officeDocument/2006/relationships" xmlns:p="http://schemas.openxmlformats.org/presentationml/2006/main">
   <p:cSld>
     <p:spTree>
